--- a/Mini_MES/문서/화면설계/3M 화면설계_김억근.pptx
+++ b/Mini_MES/문서/화면설계/3M 화면설계_김억근.pptx
@@ -15,6 +15,7 @@
     <p:sldId id="263" r:id="rId9"/>
     <p:sldId id="267" r:id="rId10"/>
     <p:sldId id="266" r:id="rId11"/>
+    <p:sldId id="269" r:id="rId12"/>
   </p:sldIdLst>
   <p:sldSz cx="12192000" cy="6858000"/>
   <p:notesSz cx="6858000" cy="9144000"/>
@@ -268,7 +269,7 @@
           <a:p>
             <a:fld id="{1070607D-BEBF-4396-B055-78D7DECC6845}" type="datetimeFigureOut">
               <a:rPr lang="ko-KR" altLang="en-US" smtClean="0"/>
-              <a:t>2025-10-14</a:t>
+              <a:t>2025-10-15</a:t>
             </a:fld>
             <a:endParaRPr lang="ko-KR" altLang="en-US"/>
           </a:p>
@@ -466,7 +467,7 @@
           <a:p>
             <a:fld id="{1070607D-BEBF-4396-B055-78D7DECC6845}" type="datetimeFigureOut">
               <a:rPr lang="ko-KR" altLang="en-US" smtClean="0"/>
-              <a:t>2025-10-14</a:t>
+              <a:t>2025-10-15</a:t>
             </a:fld>
             <a:endParaRPr lang="ko-KR" altLang="en-US"/>
           </a:p>
@@ -674,7 +675,7 @@
           <a:p>
             <a:fld id="{1070607D-BEBF-4396-B055-78D7DECC6845}" type="datetimeFigureOut">
               <a:rPr lang="ko-KR" altLang="en-US" smtClean="0"/>
-              <a:t>2025-10-14</a:t>
+              <a:t>2025-10-15</a:t>
             </a:fld>
             <a:endParaRPr lang="ko-KR" altLang="en-US"/>
           </a:p>
@@ -872,7 +873,7 @@
           <a:p>
             <a:fld id="{1070607D-BEBF-4396-B055-78D7DECC6845}" type="datetimeFigureOut">
               <a:rPr lang="ko-KR" altLang="en-US" smtClean="0"/>
-              <a:t>2025-10-14</a:t>
+              <a:t>2025-10-15</a:t>
             </a:fld>
             <a:endParaRPr lang="ko-KR" altLang="en-US"/>
           </a:p>
@@ -1147,7 +1148,7 @@
           <a:p>
             <a:fld id="{1070607D-BEBF-4396-B055-78D7DECC6845}" type="datetimeFigureOut">
               <a:rPr lang="ko-KR" altLang="en-US" smtClean="0"/>
-              <a:t>2025-10-14</a:t>
+              <a:t>2025-10-15</a:t>
             </a:fld>
             <a:endParaRPr lang="ko-KR" altLang="en-US"/>
           </a:p>
@@ -1412,7 +1413,7 @@
           <a:p>
             <a:fld id="{1070607D-BEBF-4396-B055-78D7DECC6845}" type="datetimeFigureOut">
               <a:rPr lang="ko-KR" altLang="en-US" smtClean="0"/>
-              <a:t>2025-10-14</a:t>
+              <a:t>2025-10-15</a:t>
             </a:fld>
             <a:endParaRPr lang="ko-KR" altLang="en-US"/>
           </a:p>
@@ -1824,7 +1825,7 @@
           <a:p>
             <a:fld id="{1070607D-BEBF-4396-B055-78D7DECC6845}" type="datetimeFigureOut">
               <a:rPr lang="ko-KR" altLang="en-US" smtClean="0"/>
-              <a:t>2025-10-14</a:t>
+              <a:t>2025-10-15</a:t>
             </a:fld>
             <a:endParaRPr lang="ko-KR" altLang="en-US"/>
           </a:p>
@@ -1965,7 +1966,7 @@
           <a:p>
             <a:fld id="{1070607D-BEBF-4396-B055-78D7DECC6845}" type="datetimeFigureOut">
               <a:rPr lang="ko-KR" altLang="en-US" smtClean="0"/>
-              <a:t>2025-10-14</a:t>
+              <a:t>2025-10-15</a:t>
             </a:fld>
             <a:endParaRPr lang="ko-KR" altLang="en-US"/>
           </a:p>
@@ -2078,7 +2079,7 @@
           <a:p>
             <a:fld id="{1070607D-BEBF-4396-B055-78D7DECC6845}" type="datetimeFigureOut">
               <a:rPr lang="ko-KR" altLang="en-US" smtClean="0"/>
-              <a:t>2025-10-14</a:t>
+              <a:t>2025-10-15</a:t>
             </a:fld>
             <a:endParaRPr lang="ko-KR" altLang="en-US"/>
           </a:p>
@@ -2389,7 +2390,7 @@
           <a:p>
             <a:fld id="{1070607D-BEBF-4396-B055-78D7DECC6845}" type="datetimeFigureOut">
               <a:rPr lang="ko-KR" altLang="en-US" smtClean="0"/>
-              <a:t>2025-10-14</a:t>
+              <a:t>2025-10-15</a:t>
             </a:fld>
             <a:endParaRPr lang="ko-KR" altLang="en-US"/>
           </a:p>
@@ -2677,7 +2678,7 @@
           <a:p>
             <a:fld id="{1070607D-BEBF-4396-B055-78D7DECC6845}" type="datetimeFigureOut">
               <a:rPr lang="ko-KR" altLang="en-US" smtClean="0"/>
-              <a:t>2025-10-14</a:t>
+              <a:t>2025-10-15</a:t>
             </a:fld>
             <a:endParaRPr lang="ko-KR" altLang="en-US"/>
           </a:p>
@@ -2918,7 +2919,7 @@
           <a:p>
             <a:fld id="{1070607D-BEBF-4396-B055-78D7DECC6845}" type="datetimeFigureOut">
               <a:rPr lang="ko-KR" altLang="en-US" smtClean="0"/>
-              <a:t>2025-10-14</a:t>
+              <a:t>2025-10-15</a:t>
             </a:fld>
             <a:endParaRPr lang="ko-KR" altLang="en-US"/>
           </a:p>
@@ -10402,6 +10403,1500 @@
     <p:extLst>
       <p:ext uri="{BB962C8B-B14F-4D97-AF65-F5344CB8AC3E}">
         <p14:creationId xmlns:p14="http://schemas.microsoft.com/office/powerpoint/2010/main" val="4102567441"/>
+      </p:ext>
+    </p:extLst>
+  </p:cSld>
+  <p:clrMapOvr>
+    <a:masterClrMapping/>
+  </p:clrMapOvr>
+</p:sld>
+</file>
+
+<file path=ppt/slides/slide11.xml><?xml version="1.0" encoding="utf-8"?>
+<p:sld xmlns:a="http://schemas.openxmlformats.org/drawingml/2006/main" xmlns:r="http://schemas.openxmlformats.org/officeDocument/2006/relationships" xmlns:p="http://schemas.openxmlformats.org/presentationml/2006/main">
+  <p:cSld>
+    <p:spTree>
+      <p:nvGrpSpPr>
+        <p:cNvPr id="1" name=""/>
+        <p:cNvGrpSpPr/>
+        <p:nvPr/>
+      </p:nvGrpSpPr>
+      <p:grpSpPr>
+        <a:xfrm>
+          <a:off x="0" y="0"/>
+          <a:ext cx="0" cy="0"/>
+          <a:chOff x="0" y="0"/>
+          <a:chExt cx="0" cy="0"/>
+        </a:xfrm>
+      </p:grpSpPr>
+      <p:sp>
+        <p:nvSpPr>
+          <p:cNvPr id="2" name="직사각형 1">
+            <a:extLst>
+              <a:ext uri="{FF2B5EF4-FFF2-40B4-BE49-F238E27FC236}">
+                <a16:creationId xmlns:a16="http://schemas.microsoft.com/office/drawing/2014/main" id="{55B1988D-CD40-45AA-DD3F-BAAD05DC9061}"/>
+              </a:ext>
+            </a:extLst>
+          </p:cNvPr>
+          <p:cNvSpPr/>
+          <p:nvPr/>
+        </p:nvSpPr>
+        <p:spPr>
+          <a:xfrm>
+            <a:off x="1817606" y="211257"/>
+            <a:ext cx="3115042" cy="397565"/>
+          </a:xfrm>
+          <a:prstGeom prst="rect">
+            <a:avLst/>
+          </a:prstGeom>
+          <a:solidFill>
+            <a:schemeClr val="bg1"/>
+          </a:solidFill>
+          <a:ln>
+            <a:solidFill>
+              <a:schemeClr val="bg1"/>
+            </a:solidFill>
+          </a:ln>
+        </p:spPr>
+        <p:style>
+          <a:lnRef idx="2">
+            <a:schemeClr val="accent1">
+              <a:shade val="50000"/>
+            </a:schemeClr>
+          </a:lnRef>
+          <a:fillRef idx="1">
+            <a:schemeClr val="accent1"/>
+          </a:fillRef>
+          <a:effectRef idx="0">
+            <a:schemeClr val="accent1"/>
+          </a:effectRef>
+          <a:fontRef idx="minor">
+            <a:schemeClr val="lt1"/>
+          </a:fontRef>
+        </p:style>
+        <p:txBody>
+          <a:bodyPr rtlCol="0" anchor="ctr"/>
+          <a:lstStyle/>
+          <a:p>
+            <a:r>
+              <a:rPr lang="ko-KR" altLang="en-US" sz="2000" b="1" dirty="0">
+                <a:solidFill>
+                  <a:schemeClr val="tx1"/>
+                </a:solidFill>
+              </a:rPr>
+              <a:t>수주</a:t>
+            </a:r>
+            <a:r>
+              <a:rPr lang="ko-KR" altLang="en-US" sz="2000" b="1" dirty="0">
+                <a:solidFill>
+                  <a:schemeClr val="tx1"/>
+                </a:solidFill>
+                <a:latin typeface="+mn-ea"/>
+              </a:rPr>
+              <a:t>품목 관리 </a:t>
+            </a:r>
+            <a:r>
+              <a:rPr lang="en-US" altLang="ko-KR" sz="2000" b="1" dirty="0">
+                <a:solidFill>
+                  <a:schemeClr val="tx1"/>
+                </a:solidFill>
+                <a:latin typeface="+mn-ea"/>
+              </a:rPr>
+              <a:t>- </a:t>
+            </a:r>
+            <a:r>
+              <a:rPr lang="ko-KR" altLang="en-US" sz="2000" b="1" dirty="0">
+                <a:solidFill>
+                  <a:schemeClr val="tx1"/>
+                </a:solidFill>
+                <a:latin typeface="+mn-ea"/>
+              </a:rPr>
+              <a:t>등록</a:t>
+            </a:r>
+          </a:p>
+        </p:txBody>
+      </p:sp>
+      <p:grpSp>
+        <p:nvGrpSpPr>
+          <p:cNvPr id="51" name="그룹 50">
+            <a:extLst>
+              <a:ext uri="{FF2B5EF4-FFF2-40B4-BE49-F238E27FC236}">
+                <a16:creationId xmlns:a16="http://schemas.microsoft.com/office/drawing/2014/main" id="{4D5FBB12-6F18-9EE1-A776-964110BCFACE}"/>
+              </a:ext>
+            </a:extLst>
+          </p:cNvPr>
+          <p:cNvGrpSpPr/>
+          <p:nvPr/>
+        </p:nvGrpSpPr>
+        <p:grpSpPr>
+          <a:xfrm>
+            <a:off x="668024" y="3281776"/>
+            <a:ext cx="6031792" cy="3031230"/>
+            <a:chOff x="275895" y="3281776"/>
+            <a:chExt cx="6031792" cy="3031230"/>
+          </a:xfrm>
+        </p:grpSpPr>
+        <p:sp>
+          <p:nvSpPr>
+            <p:cNvPr id="53" name="사각형: 둥근 모서리 52">
+              <a:extLst>
+                <a:ext uri="{FF2B5EF4-FFF2-40B4-BE49-F238E27FC236}">
+                  <a16:creationId xmlns:a16="http://schemas.microsoft.com/office/drawing/2014/main" id="{B235CE89-E46D-2A59-3848-8F284D6AD9E8}"/>
+                </a:ext>
+              </a:extLst>
+            </p:cNvPr>
+            <p:cNvSpPr/>
+            <p:nvPr/>
+          </p:nvSpPr>
+          <p:spPr>
+            <a:xfrm>
+              <a:off x="275895" y="3401969"/>
+              <a:ext cx="6031792" cy="2911037"/>
+            </a:xfrm>
+            <a:prstGeom prst="roundRect">
+              <a:avLst/>
+            </a:prstGeom>
+            <a:solidFill>
+              <a:schemeClr val="bg1"/>
+            </a:solidFill>
+            <a:ln>
+              <a:solidFill>
+                <a:schemeClr val="accent1">
+                  <a:lumMod val="50000"/>
+                </a:schemeClr>
+              </a:solidFill>
+            </a:ln>
+          </p:spPr>
+          <p:style>
+            <a:lnRef idx="2">
+              <a:schemeClr val="accent1">
+                <a:shade val="50000"/>
+              </a:schemeClr>
+            </a:lnRef>
+            <a:fillRef idx="1">
+              <a:schemeClr val="accent1"/>
+            </a:fillRef>
+            <a:effectRef idx="0">
+              <a:schemeClr val="accent1"/>
+            </a:effectRef>
+            <a:fontRef idx="minor">
+              <a:schemeClr val="lt1"/>
+            </a:fontRef>
+          </p:style>
+          <p:txBody>
+            <a:bodyPr rtlCol="0" anchor="t"/>
+            <a:lstStyle/>
+            <a:p>
+              <a:pPr algn="ctr"/>
+              <a:endParaRPr lang="ko-KR" altLang="en-US" sz="1400" dirty="0"/>
+            </a:p>
+          </p:txBody>
+        </p:sp>
+        <p:sp>
+          <p:nvSpPr>
+            <p:cNvPr id="54" name="직사각형 53">
+              <a:extLst>
+                <a:ext uri="{FF2B5EF4-FFF2-40B4-BE49-F238E27FC236}">
+                  <a16:creationId xmlns:a16="http://schemas.microsoft.com/office/drawing/2014/main" id="{8496BBB4-0451-1DF4-8BE9-4B24649EAA24}"/>
+                </a:ext>
+              </a:extLst>
+            </p:cNvPr>
+            <p:cNvSpPr/>
+            <p:nvPr/>
+          </p:nvSpPr>
+          <p:spPr>
+            <a:xfrm>
+              <a:off x="625829" y="3281776"/>
+              <a:ext cx="674581" cy="196389"/>
+            </a:xfrm>
+            <a:prstGeom prst="rect">
+              <a:avLst/>
+            </a:prstGeom>
+            <a:solidFill>
+              <a:schemeClr val="bg1"/>
+            </a:solidFill>
+            <a:ln>
+              <a:solidFill>
+                <a:schemeClr val="bg1"/>
+              </a:solidFill>
+            </a:ln>
+          </p:spPr>
+          <p:style>
+            <a:lnRef idx="2">
+              <a:schemeClr val="accent1">
+                <a:shade val="50000"/>
+              </a:schemeClr>
+            </a:lnRef>
+            <a:fillRef idx="1">
+              <a:schemeClr val="accent1"/>
+            </a:fillRef>
+            <a:effectRef idx="0">
+              <a:schemeClr val="accent1"/>
+            </a:effectRef>
+            <a:fontRef idx="minor">
+              <a:schemeClr val="lt1"/>
+            </a:fontRef>
+          </p:style>
+          <p:txBody>
+            <a:bodyPr rtlCol="0" anchor="ctr"/>
+            <a:lstStyle/>
+            <a:p>
+              <a:r>
+                <a:rPr lang="ko-KR" altLang="en-US" sz="1200" b="1" dirty="0">
+                  <a:solidFill>
+                    <a:schemeClr val="accent1">
+                      <a:lumMod val="50000"/>
+                    </a:schemeClr>
+                  </a:solidFill>
+                </a:rPr>
+                <a:t>라우팅</a:t>
+              </a:r>
+            </a:p>
+          </p:txBody>
+        </p:sp>
+      </p:grpSp>
+      <p:sp>
+        <p:nvSpPr>
+          <p:cNvPr id="55" name="직사각형 54">
+            <a:extLst>
+              <a:ext uri="{FF2B5EF4-FFF2-40B4-BE49-F238E27FC236}">
+                <a16:creationId xmlns:a16="http://schemas.microsoft.com/office/drawing/2014/main" id="{E14BC6AB-6449-9CC9-2900-47FE463AA7D5}"/>
+              </a:ext>
+            </a:extLst>
+          </p:cNvPr>
+          <p:cNvSpPr/>
+          <p:nvPr/>
+        </p:nvSpPr>
+        <p:spPr>
+          <a:xfrm>
+            <a:off x="7311335" y="760004"/>
+            <a:ext cx="4732867" cy="4087514"/>
+          </a:xfrm>
+          <a:prstGeom prst="rect">
+            <a:avLst/>
+          </a:prstGeom>
+          <a:noFill/>
+          <a:ln>
+            <a:solidFill>
+              <a:schemeClr val="tx1"/>
+            </a:solidFill>
+          </a:ln>
+        </p:spPr>
+        <p:style>
+          <a:lnRef idx="2">
+            <a:schemeClr val="accent1">
+              <a:shade val="50000"/>
+            </a:schemeClr>
+          </a:lnRef>
+          <a:fillRef idx="1">
+            <a:schemeClr val="accent1"/>
+          </a:fillRef>
+          <a:effectRef idx="0">
+            <a:schemeClr val="accent1"/>
+          </a:effectRef>
+          <a:fontRef idx="minor">
+            <a:schemeClr val="lt1"/>
+          </a:fontRef>
+        </p:style>
+        <p:txBody>
+          <a:bodyPr rtlCol="0" anchor="ctr"/>
+          <a:lstStyle/>
+          <a:p>
+            <a:pPr algn="ctr"/>
+            <a:endParaRPr lang="ko-KR" altLang="en-US"/>
+          </a:p>
+        </p:txBody>
+      </p:sp>
+      <p:sp>
+        <p:nvSpPr>
+          <p:cNvPr id="56" name="사각형: 둥근 모서리 55">
+            <a:extLst>
+              <a:ext uri="{FF2B5EF4-FFF2-40B4-BE49-F238E27FC236}">
+                <a16:creationId xmlns:a16="http://schemas.microsoft.com/office/drawing/2014/main" id="{33F65780-BF68-C00C-810C-81358FC61E5C}"/>
+              </a:ext>
+            </a:extLst>
+          </p:cNvPr>
+          <p:cNvSpPr/>
+          <p:nvPr/>
+        </p:nvSpPr>
+        <p:spPr>
+          <a:xfrm>
+            <a:off x="4044265" y="2688265"/>
+            <a:ext cx="2570522" cy="306236"/>
+          </a:xfrm>
+          <a:prstGeom prst="roundRect">
+            <a:avLst/>
+          </a:prstGeom>
+          <a:solidFill>
+            <a:schemeClr val="bg1"/>
+          </a:solidFill>
+          <a:ln>
+            <a:solidFill>
+              <a:schemeClr val="accent1">
+                <a:lumMod val="50000"/>
+              </a:schemeClr>
+            </a:solidFill>
+          </a:ln>
+        </p:spPr>
+        <p:style>
+          <a:lnRef idx="2">
+            <a:schemeClr val="accent1">
+              <a:shade val="50000"/>
+            </a:schemeClr>
+          </a:lnRef>
+          <a:fillRef idx="1">
+            <a:schemeClr val="accent1"/>
+          </a:fillRef>
+          <a:effectRef idx="0">
+            <a:schemeClr val="accent1"/>
+          </a:effectRef>
+          <a:fontRef idx="minor">
+            <a:schemeClr val="lt1"/>
+          </a:fontRef>
+        </p:style>
+        <p:txBody>
+          <a:bodyPr rtlCol="0" anchor="b"/>
+          <a:lstStyle/>
+          <a:p>
+            <a:pPr algn="r"/>
+            <a:endParaRPr lang="ko-KR" altLang="en-US" sz="1400" dirty="0">
+              <a:solidFill>
+                <a:schemeClr val="tx1"/>
+              </a:solidFill>
+            </a:endParaRPr>
+          </a:p>
+        </p:txBody>
+      </p:sp>
+      <p:sp>
+        <p:nvSpPr>
+          <p:cNvPr id="57" name="사각형: 둥근 모서리 56">
+            <a:extLst>
+              <a:ext uri="{FF2B5EF4-FFF2-40B4-BE49-F238E27FC236}">
+                <a16:creationId xmlns:a16="http://schemas.microsoft.com/office/drawing/2014/main" id="{1BBE53E6-CC2A-5853-F025-7F64C40BBCDD}"/>
+              </a:ext>
+            </a:extLst>
+          </p:cNvPr>
+          <p:cNvSpPr/>
+          <p:nvPr/>
+        </p:nvSpPr>
+        <p:spPr>
+          <a:xfrm>
+            <a:off x="4044265" y="2104482"/>
+            <a:ext cx="2570522" cy="306236"/>
+          </a:xfrm>
+          <a:prstGeom prst="roundRect">
+            <a:avLst/>
+          </a:prstGeom>
+          <a:solidFill>
+            <a:schemeClr val="bg1"/>
+          </a:solidFill>
+          <a:ln>
+            <a:solidFill>
+              <a:schemeClr val="accent1">
+                <a:lumMod val="50000"/>
+              </a:schemeClr>
+            </a:solidFill>
+          </a:ln>
+        </p:spPr>
+        <p:style>
+          <a:lnRef idx="2">
+            <a:schemeClr val="accent1">
+              <a:shade val="50000"/>
+            </a:schemeClr>
+          </a:lnRef>
+          <a:fillRef idx="1">
+            <a:schemeClr val="accent1"/>
+          </a:fillRef>
+          <a:effectRef idx="0">
+            <a:schemeClr val="accent1"/>
+          </a:effectRef>
+          <a:fontRef idx="minor">
+            <a:schemeClr val="lt1"/>
+          </a:fontRef>
+        </p:style>
+        <p:txBody>
+          <a:bodyPr rtlCol="0" anchor="b"/>
+          <a:lstStyle/>
+          <a:p>
+            <a:pPr algn="r"/>
+            <a:endParaRPr lang="ko-KR" altLang="en-US" sz="1200" dirty="0">
+              <a:solidFill>
+                <a:schemeClr val="tx1"/>
+              </a:solidFill>
+            </a:endParaRPr>
+          </a:p>
+        </p:txBody>
+      </p:sp>
+      <p:sp>
+        <p:nvSpPr>
+          <p:cNvPr id="58" name="사각형: 둥근 모서리 57">
+            <a:extLst>
+              <a:ext uri="{FF2B5EF4-FFF2-40B4-BE49-F238E27FC236}">
+                <a16:creationId xmlns:a16="http://schemas.microsoft.com/office/drawing/2014/main" id="{D857924C-D117-7902-A4D8-3887B7EEF92F}"/>
+              </a:ext>
+            </a:extLst>
+          </p:cNvPr>
+          <p:cNvSpPr/>
+          <p:nvPr/>
+        </p:nvSpPr>
+        <p:spPr>
+          <a:xfrm>
+            <a:off x="4044265" y="1549388"/>
+            <a:ext cx="2570522" cy="306236"/>
+          </a:xfrm>
+          <a:prstGeom prst="roundRect">
+            <a:avLst/>
+          </a:prstGeom>
+          <a:solidFill>
+            <a:schemeClr val="bg1"/>
+          </a:solidFill>
+          <a:ln>
+            <a:solidFill>
+              <a:schemeClr val="accent1">
+                <a:lumMod val="50000"/>
+              </a:schemeClr>
+            </a:solidFill>
+          </a:ln>
+        </p:spPr>
+        <p:style>
+          <a:lnRef idx="2">
+            <a:schemeClr val="accent1">
+              <a:shade val="50000"/>
+            </a:schemeClr>
+          </a:lnRef>
+          <a:fillRef idx="1">
+            <a:schemeClr val="accent1"/>
+          </a:fillRef>
+          <a:effectRef idx="0">
+            <a:schemeClr val="accent1"/>
+          </a:effectRef>
+          <a:fontRef idx="minor">
+            <a:schemeClr val="lt1"/>
+          </a:fontRef>
+        </p:style>
+        <p:txBody>
+          <a:bodyPr rtlCol="0" anchor="b"/>
+          <a:lstStyle/>
+          <a:p>
+            <a:pPr algn="r"/>
+            <a:endParaRPr lang="ko-KR" altLang="en-US" sz="1200" dirty="0">
+              <a:solidFill>
+                <a:schemeClr val="tx1"/>
+              </a:solidFill>
+            </a:endParaRPr>
+          </a:p>
+        </p:txBody>
+      </p:sp>
+      <p:sp>
+        <p:nvSpPr>
+          <p:cNvPr id="59" name="사각형: 둥근 모서리 58">
+            <a:extLst>
+              <a:ext uri="{FF2B5EF4-FFF2-40B4-BE49-F238E27FC236}">
+                <a16:creationId xmlns:a16="http://schemas.microsoft.com/office/drawing/2014/main" id="{C1EF2B11-5CB6-650D-DACB-40A7068AA1EF}"/>
+              </a:ext>
+            </a:extLst>
+          </p:cNvPr>
+          <p:cNvSpPr/>
+          <p:nvPr/>
+        </p:nvSpPr>
+        <p:spPr>
+          <a:xfrm>
+            <a:off x="4014831" y="1015998"/>
+            <a:ext cx="2570522" cy="306236"/>
+          </a:xfrm>
+          <a:prstGeom prst="roundRect">
+            <a:avLst/>
+          </a:prstGeom>
+          <a:solidFill>
+            <a:schemeClr val="bg1"/>
+          </a:solidFill>
+          <a:ln>
+            <a:solidFill>
+              <a:schemeClr val="accent1">
+                <a:lumMod val="50000"/>
+              </a:schemeClr>
+            </a:solidFill>
+          </a:ln>
+        </p:spPr>
+        <p:style>
+          <a:lnRef idx="2">
+            <a:schemeClr val="accent1">
+              <a:shade val="50000"/>
+            </a:schemeClr>
+          </a:lnRef>
+          <a:fillRef idx="1">
+            <a:schemeClr val="accent1"/>
+          </a:fillRef>
+          <a:effectRef idx="0">
+            <a:schemeClr val="accent1"/>
+          </a:effectRef>
+          <a:fontRef idx="minor">
+            <a:schemeClr val="lt1"/>
+          </a:fontRef>
+        </p:style>
+        <p:txBody>
+          <a:bodyPr rtlCol="0" anchor="b"/>
+          <a:lstStyle/>
+          <a:p>
+            <a:pPr algn="r"/>
+            <a:endParaRPr lang="ko-KR" altLang="en-US" sz="1400" dirty="0">
+              <a:solidFill>
+                <a:schemeClr val="tx1"/>
+              </a:solidFill>
+            </a:endParaRPr>
+          </a:p>
+        </p:txBody>
+      </p:sp>
+      <p:sp>
+        <p:nvSpPr>
+          <p:cNvPr id="60" name="사각형: 둥근 모서리 59">
+            <a:extLst>
+              <a:ext uri="{FF2B5EF4-FFF2-40B4-BE49-F238E27FC236}">
+                <a16:creationId xmlns:a16="http://schemas.microsoft.com/office/drawing/2014/main" id="{243A0DDD-E0E6-99D0-A1A9-1ECB3D536394}"/>
+              </a:ext>
+            </a:extLst>
+          </p:cNvPr>
+          <p:cNvSpPr/>
+          <p:nvPr/>
+        </p:nvSpPr>
+        <p:spPr>
+          <a:xfrm>
+            <a:off x="872327" y="2763387"/>
+            <a:ext cx="2570522" cy="306236"/>
+          </a:xfrm>
+          <a:prstGeom prst="roundRect">
+            <a:avLst/>
+          </a:prstGeom>
+          <a:solidFill>
+            <a:schemeClr val="bg1"/>
+          </a:solidFill>
+          <a:ln>
+            <a:solidFill>
+              <a:schemeClr val="accent1">
+                <a:lumMod val="50000"/>
+              </a:schemeClr>
+            </a:solidFill>
+          </a:ln>
+        </p:spPr>
+        <p:style>
+          <a:lnRef idx="2">
+            <a:schemeClr val="accent1">
+              <a:shade val="50000"/>
+            </a:schemeClr>
+          </a:lnRef>
+          <a:fillRef idx="1">
+            <a:schemeClr val="accent1"/>
+          </a:fillRef>
+          <a:effectRef idx="0">
+            <a:schemeClr val="accent1"/>
+          </a:effectRef>
+          <a:fontRef idx="minor">
+            <a:schemeClr val="lt1"/>
+          </a:fontRef>
+        </p:style>
+        <p:txBody>
+          <a:bodyPr rtlCol="0" anchor="b"/>
+          <a:lstStyle/>
+          <a:p>
+            <a:pPr algn="r"/>
+            <a:endParaRPr lang="ko-KR" altLang="en-US" sz="1400" dirty="0">
+              <a:solidFill>
+                <a:schemeClr val="tx1"/>
+              </a:solidFill>
+            </a:endParaRPr>
+          </a:p>
+        </p:txBody>
+      </p:sp>
+      <p:sp>
+        <p:nvSpPr>
+          <p:cNvPr id="61" name="사각형: 둥근 모서리 60">
+            <a:extLst>
+              <a:ext uri="{FF2B5EF4-FFF2-40B4-BE49-F238E27FC236}">
+                <a16:creationId xmlns:a16="http://schemas.microsoft.com/office/drawing/2014/main" id="{EB2EB512-D664-BC64-4897-FA650DD0FF7E}"/>
+              </a:ext>
+            </a:extLst>
+          </p:cNvPr>
+          <p:cNvSpPr/>
+          <p:nvPr/>
+        </p:nvSpPr>
+        <p:spPr>
+          <a:xfrm>
+            <a:off x="872327" y="2201796"/>
+            <a:ext cx="2570522" cy="306236"/>
+          </a:xfrm>
+          <a:prstGeom prst="roundRect">
+            <a:avLst/>
+          </a:prstGeom>
+          <a:solidFill>
+            <a:schemeClr val="bg1"/>
+          </a:solidFill>
+          <a:ln>
+            <a:solidFill>
+              <a:schemeClr val="accent1">
+                <a:lumMod val="50000"/>
+              </a:schemeClr>
+            </a:solidFill>
+          </a:ln>
+        </p:spPr>
+        <p:style>
+          <a:lnRef idx="2">
+            <a:schemeClr val="accent1">
+              <a:shade val="50000"/>
+            </a:schemeClr>
+          </a:lnRef>
+          <a:fillRef idx="1">
+            <a:schemeClr val="accent1"/>
+          </a:fillRef>
+          <a:effectRef idx="0">
+            <a:schemeClr val="accent1"/>
+          </a:effectRef>
+          <a:fontRef idx="minor">
+            <a:schemeClr val="lt1"/>
+          </a:fontRef>
+        </p:style>
+        <p:txBody>
+          <a:bodyPr rtlCol="0" anchor="b"/>
+          <a:lstStyle/>
+          <a:p>
+            <a:pPr algn="r"/>
+            <a:endParaRPr lang="ko-KR" altLang="en-US" sz="1400" dirty="0">
+              <a:solidFill>
+                <a:schemeClr val="tx1"/>
+              </a:solidFill>
+            </a:endParaRPr>
+          </a:p>
+        </p:txBody>
+      </p:sp>
+      <p:sp>
+        <p:nvSpPr>
+          <p:cNvPr id="62" name="사각형: 둥근 모서리 61">
+            <a:extLst>
+              <a:ext uri="{FF2B5EF4-FFF2-40B4-BE49-F238E27FC236}">
+                <a16:creationId xmlns:a16="http://schemas.microsoft.com/office/drawing/2014/main" id="{58AA9D03-5908-45FB-CEDD-CCA781E80C90}"/>
+              </a:ext>
+            </a:extLst>
+          </p:cNvPr>
+          <p:cNvSpPr/>
+          <p:nvPr/>
+        </p:nvSpPr>
+        <p:spPr>
+          <a:xfrm>
+            <a:off x="872327" y="1631185"/>
+            <a:ext cx="2570522" cy="306236"/>
+          </a:xfrm>
+          <a:prstGeom prst="roundRect">
+            <a:avLst/>
+          </a:prstGeom>
+          <a:solidFill>
+            <a:schemeClr val="bg1"/>
+          </a:solidFill>
+          <a:ln>
+            <a:solidFill>
+              <a:schemeClr val="accent1">
+                <a:lumMod val="50000"/>
+              </a:schemeClr>
+            </a:solidFill>
+          </a:ln>
+        </p:spPr>
+        <p:style>
+          <a:lnRef idx="2">
+            <a:schemeClr val="accent1">
+              <a:shade val="50000"/>
+            </a:schemeClr>
+          </a:lnRef>
+          <a:fillRef idx="1">
+            <a:schemeClr val="accent1"/>
+          </a:fillRef>
+          <a:effectRef idx="0">
+            <a:schemeClr val="accent1"/>
+          </a:effectRef>
+          <a:fontRef idx="minor">
+            <a:schemeClr val="lt1"/>
+          </a:fontRef>
+        </p:style>
+        <p:txBody>
+          <a:bodyPr rtlCol="0" anchor="b"/>
+          <a:lstStyle/>
+          <a:p>
+            <a:pPr algn="r"/>
+            <a:endParaRPr lang="ko-KR" altLang="en-US" sz="1400" dirty="0">
+              <a:solidFill>
+                <a:schemeClr val="tx1"/>
+              </a:solidFill>
+            </a:endParaRPr>
+          </a:p>
+        </p:txBody>
+      </p:sp>
+      <p:sp>
+        <p:nvSpPr>
+          <p:cNvPr id="63" name="사각형: 둥근 모서리 62">
+            <a:extLst>
+              <a:ext uri="{FF2B5EF4-FFF2-40B4-BE49-F238E27FC236}">
+                <a16:creationId xmlns:a16="http://schemas.microsoft.com/office/drawing/2014/main" id="{5D9C2B64-7618-49ED-2BEE-1E2035875D60}"/>
+              </a:ext>
+            </a:extLst>
+          </p:cNvPr>
+          <p:cNvSpPr/>
+          <p:nvPr/>
+        </p:nvSpPr>
+        <p:spPr>
+          <a:xfrm>
+            <a:off x="872327" y="1045541"/>
+            <a:ext cx="2570522" cy="306236"/>
+          </a:xfrm>
+          <a:prstGeom prst="roundRect">
+            <a:avLst/>
+          </a:prstGeom>
+          <a:solidFill>
+            <a:schemeClr val="bg1"/>
+          </a:solidFill>
+          <a:ln>
+            <a:solidFill>
+              <a:schemeClr val="accent1">
+                <a:lumMod val="50000"/>
+              </a:schemeClr>
+            </a:solidFill>
+          </a:ln>
+        </p:spPr>
+        <p:style>
+          <a:lnRef idx="2">
+            <a:schemeClr val="accent1">
+              <a:shade val="50000"/>
+            </a:schemeClr>
+          </a:lnRef>
+          <a:fillRef idx="1">
+            <a:schemeClr val="accent1"/>
+          </a:fillRef>
+          <a:effectRef idx="0">
+            <a:schemeClr val="accent1"/>
+          </a:effectRef>
+          <a:fontRef idx="minor">
+            <a:schemeClr val="lt1"/>
+          </a:fontRef>
+        </p:style>
+        <p:txBody>
+          <a:bodyPr rtlCol="0" anchor="b"/>
+          <a:lstStyle/>
+          <a:p>
+            <a:pPr algn="r"/>
+            <a:endParaRPr lang="ko-KR" altLang="en-US" sz="1400" dirty="0">
+              <a:solidFill>
+                <a:schemeClr val="tx1"/>
+              </a:solidFill>
+            </a:endParaRPr>
+          </a:p>
+        </p:txBody>
+      </p:sp>
+      <p:sp>
+        <p:nvSpPr>
+          <p:cNvPr id="64" name="직사각형 63">
+            <a:extLst>
+              <a:ext uri="{FF2B5EF4-FFF2-40B4-BE49-F238E27FC236}">
+                <a16:creationId xmlns:a16="http://schemas.microsoft.com/office/drawing/2014/main" id="{0F598BE7-AAFF-A13F-2747-3D95DFBB4736}"/>
+              </a:ext>
+            </a:extLst>
+          </p:cNvPr>
+          <p:cNvSpPr/>
+          <p:nvPr/>
+        </p:nvSpPr>
+        <p:spPr>
+          <a:xfrm>
+            <a:off x="1021456" y="861077"/>
+            <a:ext cx="671083" cy="301404"/>
+          </a:xfrm>
+          <a:prstGeom prst="rect">
+            <a:avLst/>
+          </a:prstGeom>
+          <a:solidFill>
+            <a:schemeClr val="bg1"/>
+          </a:solidFill>
+          <a:ln>
+            <a:solidFill>
+              <a:schemeClr val="bg1"/>
+            </a:solidFill>
+          </a:ln>
+        </p:spPr>
+        <p:style>
+          <a:lnRef idx="2">
+            <a:schemeClr val="accent1">
+              <a:shade val="50000"/>
+            </a:schemeClr>
+          </a:lnRef>
+          <a:fillRef idx="1">
+            <a:schemeClr val="accent1"/>
+          </a:fillRef>
+          <a:effectRef idx="0">
+            <a:schemeClr val="accent1"/>
+          </a:effectRef>
+          <a:fontRef idx="minor">
+            <a:schemeClr val="lt1"/>
+          </a:fontRef>
+        </p:style>
+        <p:txBody>
+          <a:bodyPr rtlCol="0" anchor="ctr"/>
+          <a:lstStyle/>
+          <a:p>
+            <a:r>
+              <a:rPr lang="ko-KR" altLang="en-US" sz="1200" b="1" dirty="0">
+                <a:solidFill>
+                  <a:schemeClr val="accent1">
+                    <a:lumMod val="50000"/>
+                  </a:schemeClr>
+                </a:solidFill>
+              </a:rPr>
+              <a:t>업체명</a:t>
+            </a:r>
+          </a:p>
+        </p:txBody>
+      </p:sp>
+      <p:sp>
+        <p:nvSpPr>
+          <p:cNvPr id="65" name="직사각형 64">
+            <a:extLst>
+              <a:ext uri="{FF2B5EF4-FFF2-40B4-BE49-F238E27FC236}">
+                <a16:creationId xmlns:a16="http://schemas.microsoft.com/office/drawing/2014/main" id="{1B6B5512-7CC0-D781-F465-3C002BB885E4}"/>
+              </a:ext>
+            </a:extLst>
+          </p:cNvPr>
+          <p:cNvSpPr/>
+          <p:nvPr/>
+        </p:nvSpPr>
+        <p:spPr>
+          <a:xfrm>
+            <a:off x="1017328" y="2027353"/>
+            <a:ext cx="807934" cy="301404"/>
+          </a:xfrm>
+          <a:prstGeom prst="rect">
+            <a:avLst/>
+          </a:prstGeom>
+          <a:solidFill>
+            <a:schemeClr val="bg1"/>
+          </a:solidFill>
+          <a:ln>
+            <a:solidFill>
+              <a:schemeClr val="bg1"/>
+            </a:solidFill>
+          </a:ln>
+        </p:spPr>
+        <p:style>
+          <a:lnRef idx="2">
+            <a:schemeClr val="accent1">
+              <a:shade val="50000"/>
+            </a:schemeClr>
+          </a:lnRef>
+          <a:fillRef idx="1">
+            <a:schemeClr val="accent1"/>
+          </a:fillRef>
+          <a:effectRef idx="0">
+            <a:schemeClr val="accent1"/>
+          </a:effectRef>
+          <a:fontRef idx="minor">
+            <a:schemeClr val="lt1"/>
+          </a:fontRef>
+        </p:style>
+        <p:txBody>
+          <a:bodyPr rtlCol="0" anchor="ctr"/>
+          <a:lstStyle/>
+          <a:p>
+            <a:r>
+              <a:rPr lang="ko-KR" altLang="en-US" sz="1200" b="1">
+                <a:solidFill>
+                  <a:schemeClr val="accent1">
+                    <a:lumMod val="50000"/>
+                  </a:schemeClr>
+                </a:solidFill>
+              </a:rPr>
+              <a:t>품목번호</a:t>
+            </a:r>
+            <a:endParaRPr lang="ko-KR" altLang="en-US" sz="1200" b="1" dirty="0">
+              <a:solidFill>
+                <a:schemeClr val="accent1">
+                  <a:lumMod val="50000"/>
+                </a:schemeClr>
+              </a:solidFill>
+            </a:endParaRPr>
+          </a:p>
+        </p:txBody>
+      </p:sp>
+      <p:sp>
+        <p:nvSpPr>
+          <p:cNvPr id="66" name="직사각형 65">
+            <a:extLst>
+              <a:ext uri="{FF2B5EF4-FFF2-40B4-BE49-F238E27FC236}">
+                <a16:creationId xmlns:a16="http://schemas.microsoft.com/office/drawing/2014/main" id="{9E7E9DE7-AE9A-8F8C-080C-03B3D663F633}"/>
+              </a:ext>
+            </a:extLst>
+          </p:cNvPr>
+          <p:cNvSpPr/>
+          <p:nvPr/>
+        </p:nvSpPr>
+        <p:spPr>
+          <a:xfrm>
+            <a:off x="4163960" y="851026"/>
+            <a:ext cx="502331" cy="217731"/>
+          </a:xfrm>
+          <a:prstGeom prst="rect">
+            <a:avLst/>
+          </a:prstGeom>
+          <a:solidFill>
+            <a:schemeClr val="bg1"/>
+          </a:solidFill>
+          <a:ln>
+            <a:solidFill>
+              <a:schemeClr val="bg1"/>
+            </a:solidFill>
+          </a:ln>
+        </p:spPr>
+        <p:style>
+          <a:lnRef idx="2">
+            <a:schemeClr val="accent1">
+              <a:shade val="50000"/>
+            </a:schemeClr>
+          </a:lnRef>
+          <a:fillRef idx="1">
+            <a:schemeClr val="accent1"/>
+          </a:fillRef>
+          <a:effectRef idx="0">
+            <a:schemeClr val="accent1"/>
+          </a:effectRef>
+          <a:fontRef idx="minor">
+            <a:schemeClr val="lt1"/>
+          </a:fontRef>
+        </p:style>
+        <p:txBody>
+          <a:bodyPr rtlCol="0" anchor="ctr"/>
+          <a:lstStyle/>
+          <a:p>
+            <a:r>
+              <a:rPr lang="ko-KR" altLang="en-US" sz="1200" b="1" dirty="0">
+                <a:solidFill>
+                  <a:schemeClr val="accent1">
+                    <a:lumMod val="50000"/>
+                  </a:schemeClr>
+                </a:solidFill>
+              </a:rPr>
+              <a:t>단가</a:t>
+            </a:r>
+          </a:p>
+        </p:txBody>
+      </p:sp>
+      <p:sp>
+        <p:nvSpPr>
+          <p:cNvPr id="67" name="직사각형 66">
+            <a:extLst>
+              <a:ext uri="{FF2B5EF4-FFF2-40B4-BE49-F238E27FC236}">
+                <a16:creationId xmlns:a16="http://schemas.microsoft.com/office/drawing/2014/main" id="{562B3F1C-5256-6710-BC4B-F7ED5E139A22}"/>
+              </a:ext>
+            </a:extLst>
+          </p:cNvPr>
+          <p:cNvSpPr/>
+          <p:nvPr/>
+        </p:nvSpPr>
+        <p:spPr>
+          <a:xfrm>
+            <a:off x="4185546" y="1942573"/>
+            <a:ext cx="811654" cy="301404"/>
+          </a:xfrm>
+          <a:prstGeom prst="rect">
+            <a:avLst/>
+          </a:prstGeom>
+          <a:solidFill>
+            <a:schemeClr val="bg1"/>
+          </a:solidFill>
+          <a:ln>
+            <a:solidFill>
+              <a:schemeClr val="bg1"/>
+            </a:solidFill>
+          </a:ln>
+        </p:spPr>
+        <p:style>
+          <a:lnRef idx="2">
+            <a:schemeClr val="accent1">
+              <a:shade val="50000"/>
+            </a:schemeClr>
+          </a:lnRef>
+          <a:fillRef idx="1">
+            <a:schemeClr val="accent1"/>
+          </a:fillRef>
+          <a:effectRef idx="0">
+            <a:schemeClr val="accent1"/>
+          </a:effectRef>
+          <a:fontRef idx="minor">
+            <a:schemeClr val="lt1"/>
+          </a:fontRef>
+        </p:style>
+        <p:txBody>
+          <a:bodyPr rtlCol="0" anchor="ctr"/>
+          <a:lstStyle/>
+          <a:p>
+            <a:r>
+              <a:rPr lang="ko-KR" altLang="en-US" sz="1200" b="1">
+                <a:solidFill>
+                  <a:schemeClr val="accent1">
+                    <a:lumMod val="50000"/>
+                  </a:schemeClr>
+                </a:solidFill>
+              </a:rPr>
+              <a:t>도장방식</a:t>
+            </a:r>
+            <a:endParaRPr lang="ko-KR" altLang="en-US" sz="1200" b="1" dirty="0">
+              <a:solidFill>
+                <a:schemeClr val="accent1">
+                  <a:lumMod val="50000"/>
+                </a:schemeClr>
+              </a:solidFill>
+            </a:endParaRPr>
+          </a:p>
+        </p:txBody>
+      </p:sp>
+      <p:sp>
+        <p:nvSpPr>
+          <p:cNvPr id="68" name="사각형: 둥근 모서리 67">
+            <a:extLst>
+              <a:ext uri="{FF2B5EF4-FFF2-40B4-BE49-F238E27FC236}">
+                <a16:creationId xmlns:a16="http://schemas.microsoft.com/office/drawing/2014/main" id="{65080184-7947-6749-A4D4-69B2DA674555}"/>
+              </a:ext>
+            </a:extLst>
+          </p:cNvPr>
+          <p:cNvSpPr/>
+          <p:nvPr/>
+        </p:nvSpPr>
+        <p:spPr>
+          <a:xfrm>
+            <a:off x="10326936" y="5427804"/>
+            <a:ext cx="762000" cy="373760"/>
+          </a:xfrm>
+          <a:prstGeom prst="roundRect">
+            <a:avLst/>
+          </a:prstGeom>
+          <a:solidFill>
+            <a:schemeClr val="bg1"/>
+          </a:solidFill>
+          <a:ln>
+            <a:solidFill>
+              <a:schemeClr val="accent1">
+                <a:lumMod val="50000"/>
+              </a:schemeClr>
+            </a:solidFill>
+          </a:ln>
+        </p:spPr>
+        <p:style>
+          <a:lnRef idx="2">
+            <a:schemeClr val="accent1">
+              <a:shade val="50000"/>
+            </a:schemeClr>
+          </a:lnRef>
+          <a:fillRef idx="1">
+            <a:schemeClr val="accent1"/>
+          </a:fillRef>
+          <a:effectRef idx="0">
+            <a:schemeClr val="accent1"/>
+          </a:effectRef>
+          <a:fontRef idx="minor">
+            <a:schemeClr val="lt1"/>
+          </a:fontRef>
+        </p:style>
+        <p:txBody>
+          <a:bodyPr rtlCol="0" anchor="ctr"/>
+          <a:lstStyle/>
+          <a:p>
+            <a:pPr algn="ctr"/>
+            <a:r>
+              <a:rPr lang="ko-KR" altLang="en-US" sz="1600" dirty="0">
+                <a:solidFill>
+                  <a:schemeClr val="tx1"/>
+                </a:solidFill>
+              </a:rPr>
+              <a:t>등록</a:t>
+            </a:r>
+          </a:p>
+        </p:txBody>
+      </p:sp>
+      <p:sp>
+        <p:nvSpPr>
+          <p:cNvPr id="69" name="사각형: 둥근 모서리 68">
+            <a:extLst>
+              <a:ext uri="{FF2B5EF4-FFF2-40B4-BE49-F238E27FC236}">
+                <a16:creationId xmlns:a16="http://schemas.microsoft.com/office/drawing/2014/main" id="{9FB4EE6A-3BFF-2704-29FA-9E90F1ABF4D0}"/>
+              </a:ext>
+            </a:extLst>
+          </p:cNvPr>
+          <p:cNvSpPr/>
+          <p:nvPr/>
+        </p:nvSpPr>
+        <p:spPr>
+          <a:xfrm>
+            <a:off x="11262466" y="5423744"/>
+            <a:ext cx="762000" cy="373760"/>
+          </a:xfrm>
+          <a:prstGeom prst="roundRect">
+            <a:avLst/>
+          </a:prstGeom>
+          <a:solidFill>
+            <a:schemeClr val="bg1"/>
+          </a:solidFill>
+          <a:ln>
+            <a:solidFill>
+              <a:schemeClr val="accent1">
+                <a:lumMod val="50000"/>
+              </a:schemeClr>
+            </a:solidFill>
+          </a:ln>
+        </p:spPr>
+        <p:style>
+          <a:lnRef idx="2">
+            <a:schemeClr val="accent1">
+              <a:shade val="50000"/>
+            </a:schemeClr>
+          </a:lnRef>
+          <a:fillRef idx="1">
+            <a:schemeClr val="accent1"/>
+          </a:fillRef>
+          <a:effectRef idx="0">
+            <a:schemeClr val="accent1"/>
+          </a:effectRef>
+          <a:fontRef idx="minor">
+            <a:schemeClr val="lt1"/>
+          </a:fontRef>
+        </p:style>
+        <p:txBody>
+          <a:bodyPr rtlCol="0" anchor="ctr"/>
+          <a:lstStyle/>
+          <a:p>
+            <a:pPr algn="ctr"/>
+            <a:r>
+              <a:rPr lang="ko-KR" altLang="en-US" sz="1600" dirty="0">
+                <a:solidFill>
+                  <a:schemeClr val="tx1"/>
+                </a:solidFill>
+              </a:rPr>
+              <a:t>취소</a:t>
+            </a:r>
+          </a:p>
+        </p:txBody>
+      </p:sp>
+      <p:sp>
+        <p:nvSpPr>
+          <p:cNvPr id="70" name="직사각형 69">
+            <a:extLst>
+              <a:ext uri="{FF2B5EF4-FFF2-40B4-BE49-F238E27FC236}">
+                <a16:creationId xmlns:a16="http://schemas.microsoft.com/office/drawing/2014/main" id="{02B95F52-04DA-415A-5245-B65D15B61872}"/>
+              </a:ext>
+            </a:extLst>
+          </p:cNvPr>
+          <p:cNvSpPr/>
+          <p:nvPr/>
+        </p:nvSpPr>
+        <p:spPr>
+          <a:xfrm>
+            <a:off x="1021456" y="1475112"/>
+            <a:ext cx="671083" cy="301404"/>
+          </a:xfrm>
+          <a:prstGeom prst="rect">
+            <a:avLst/>
+          </a:prstGeom>
+          <a:solidFill>
+            <a:schemeClr val="bg1"/>
+          </a:solidFill>
+          <a:ln>
+            <a:solidFill>
+              <a:schemeClr val="bg1"/>
+            </a:solidFill>
+          </a:ln>
+        </p:spPr>
+        <p:style>
+          <a:lnRef idx="2">
+            <a:schemeClr val="accent1">
+              <a:shade val="50000"/>
+            </a:schemeClr>
+          </a:lnRef>
+          <a:fillRef idx="1">
+            <a:schemeClr val="accent1"/>
+          </a:fillRef>
+          <a:effectRef idx="0">
+            <a:schemeClr val="accent1"/>
+          </a:effectRef>
+          <a:fontRef idx="minor">
+            <a:schemeClr val="lt1"/>
+          </a:fontRef>
+        </p:style>
+        <p:txBody>
+          <a:bodyPr rtlCol="0" anchor="ctr"/>
+          <a:lstStyle/>
+          <a:p>
+            <a:r>
+              <a:rPr lang="ko-KR" altLang="en-US" sz="1200" b="1" dirty="0">
+                <a:solidFill>
+                  <a:schemeClr val="accent1">
+                    <a:lumMod val="50000"/>
+                  </a:schemeClr>
+                </a:solidFill>
+              </a:rPr>
+              <a:t>품목명</a:t>
+            </a:r>
+          </a:p>
+        </p:txBody>
+      </p:sp>
+      <p:sp>
+        <p:nvSpPr>
+          <p:cNvPr id="71" name="직사각형 70">
+            <a:extLst>
+              <a:ext uri="{FF2B5EF4-FFF2-40B4-BE49-F238E27FC236}">
+                <a16:creationId xmlns:a16="http://schemas.microsoft.com/office/drawing/2014/main" id="{07D754C4-7089-A85A-FC75-B261ACDAE82F}"/>
+              </a:ext>
+            </a:extLst>
+          </p:cNvPr>
+          <p:cNvSpPr/>
+          <p:nvPr/>
+        </p:nvSpPr>
+        <p:spPr>
+          <a:xfrm>
+            <a:off x="1021456" y="2654521"/>
+            <a:ext cx="502331" cy="217731"/>
+          </a:xfrm>
+          <a:prstGeom prst="rect">
+            <a:avLst/>
+          </a:prstGeom>
+          <a:solidFill>
+            <a:schemeClr val="bg1"/>
+          </a:solidFill>
+          <a:ln>
+            <a:solidFill>
+              <a:schemeClr val="bg1"/>
+            </a:solidFill>
+          </a:ln>
+        </p:spPr>
+        <p:style>
+          <a:lnRef idx="2">
+            <a:schemeClr val="accent1">
+              <a:shade val="50000"/>
+            </a:schemeClr>
+          </a:lnRef>
+          <a:fillRef idx="1">
+            <a:schemeClr val="accent1"/>
+          </a:fillRef>
+          <a:effectRef idx="0">
+            <a:schemeClr val="accent1"/>
+          </a:effectRef>
+          <a:fontRef idx="minor">
+            <a:schemeClr val="lt1"/>
+          </a:fontRef>
+        </p:style>
+        <p:txBody>
+          <a:bodyPr rtlCol="0" anchor="ctr"/>
+          <a:lstStyle/>
+          <a:p>
+            <a:r>
+              <a:rPr lang="ko-KR" altLang="en-US" sz="1200" b="1" dirty="0">
+                <a:solidFill>
+                  <a:schemeClr val="accent1">
+                    <a:lumMod val="50000"/>
+                  </a:schemeClr>
+                </a:solidFill>
+              </a:rPr>
+              <a:t>분류</a:t>
+            </a:r>
+          </a:p>
+        </p:txBody>
+      </p:sp>
+      <p:sp>
+        <p:nvSpPr>
+          <p:cNvPr id="72" name="직사각형 71">
+            <a:extLst>
+              <a:ext uri="{FF2B5EF4-FFF2-40B4-BE49-F238E27FC236}">
+                <a16:creationId xmlns:a16="http://schemas.microsoft.com/office/drawing/2014/main" id="{B28D2D87-D044-7F26-4830-80441CC5D39F}"/>
+              </a:ext>
+            </a:extLst>
+          </p:cNvPr>
+          <p:cNvSpPr/>
+          <p:nvPr/>
+        </p:nvSpPr>
+        <p:spPr>
+          <a:xfrm>
+            <a:off x="4170213" y="1454139"/>
+            <a:ext cx="502331" cy="217731"/>
+          </a:xfrm>
+          <a:prstGeom prst="rect">
+            <a:avLst/>
+          </a:prstGeom>
+          <a:solidFill>
+            <a:schemeClr val="bg1"/>
+          </a:solidFill>
+          <a:ln>
+            <a:solidFill>
+              <a:schemeClr val="bg1"/>
+            </a:solidFill>
+          </a:ln>
+        </p:spPr>
+        <p:style>
+          <a:lnRef idx="2">
+            <a:schemeClr val="accent1">
+              <a:shade val="50000"/>
+            </a:schemeClr>
+          </a:lnRef>
+          <a:fillRef idx="1">
+            <a:schemeClr val="accent1"/>
+          </a:fillRef>
+          <a:effectRef idx="0">
+            <a:schemeClr val="accent1"/>
+          </a:effectRef>
+          <a:fontRef idx="minor">
+            <a:schemeClr val="lt1"/>
+          </a:fontRef>
+        </p:style>
+        <p:txBody>
+          <a:bodyPr rtlCol="0" anchor="ctr"/>
+          <a:lstStyle/>
+          <a:p>
+            <a:r>
+              <a:rPr lang="ko-KR" altLang="en-US" sz="1200" b="1" dirty="0">
+                <a:solidFill>
+                  <a:schemeClr val="accent1">
+                    <a:lumMod val="50000"/>
+                  </a:schemeClr>
+                </a:solidFill>
+              </a:rPr>
+              <a:t>색상</a:t>
+            </a:r>
+          </a:p>
+        </p:txBody>
+      </p:sp>
+      <p:sp>
+        <p:nvSpPr>
+          <p:cNvPr id="73" name="직사각형 72">
+            <a:extLst>
+              <a:ext uri="{FF2B5EF4-FFF2-40B4-BE49-F238E27FC236}">
+                <a16:creationId xmlns:a16="http://schemas.microsoft.com/office/drawing/2014/main" id="{A703F20A-F7A7-B4F8-E7F7-A012DE377FD3}"/>
+              </a:ext>
+            </a:extLst>
+          </p:cNvPr>
+          <p:cNvSpPr/>
+          <p:nvPr/>
+        </p:nvSpPr>
+        <p:spPr>
+          <a:xfrm>
+            <a:off x="4173665" y="2547706"/>
+            <a:ext cx="494481" cy="301404"/>
+          </a:xfrm>
+          <a:prstGeom prst="rect">
+            <a:avLst/>
+          </a:prstGeom>
+          <a:solidFill>
+            <a:schemeClr val="bg1"/>
+          </a:solidFill>
+          <a:ln>
+            <a:solidFill>
+              <a:schemeClr val="bg1"/>
+            </a:solidFill>
+          </a:ln>
+        </p:spPr>
+        <p:style>
+          <a:lnRef idx="2">
+            <a:schemeClr val="accent1">
+              <a:shade val="50000"/>
+            </a:schemeClr>
+          </a:lnRef>
+          <a:fillRef idx="1">
+            <a:schemeClr val="accent1"/>
+          </a:fillRef>
+          <a:effectRef idx="0">
+            <a:schemeClr val="accent1"/>
+          </a:effectRef>
+          <a:fontRef idx="minor">
+            <a:schemeClr val="lt1"/>
+          </a:fontRef>
+        </p:style>
+        <p:txBody>
+          <a:bodyPr rtlCol="0" anchor="ctr"/>
+          <a:lstStyle/>
+          <a:p>
+            <a:r>
+              <a:rPr lang="ko-KR" altLang="en-US" sz="1200" b="1" dirty="0">
+                <a:solidFill>
+                  <a:schemeClr val="accent1">
+                    <a:lumMod val="50000"/>
+                  </a:schemeClr>
+                </a:solidFill>
+              </a:rPr>
+              <a:t>비고</a:t>
+            </a:r>
+          </a:p>
+        </p:txBody>
+      </p:sp>
+      <p:sp>
+        <p:nvSpPr>
+          <p:cNvPr id="75" name="사각형: 둥근 모서리 74">
+            <a:extLst>
+              <a:ext uri="{FF2B5EF4-FFF2-40B4-BE49-F238E27FC236}">
+                <a16:creationId xmlns:a16="http://schemas.microsoft.com/office/drawing/2014/main" id="{D377CF84-CA2D-1B7C-9980-6DA7C5B20301}"/>
+              </a:ext>
+            </a:extLst>
+          </p:cNvPr>
+          <p:cNvSpPr/>
+          <p:nvPr/>
+        </p:nvSpPr>
+        <p:spPr>
+          <a:xfrm>
+            <a:off x="7311335" y="4934765"/>
+            <a:ext cx="1080670" cy="273632"/>
+          </a:xfrm>
+          <a:prstGeom prst="roundRect">
+            <a:avLst/>
+          </a:prstGeom>
+          <a:solidFill>
+            <a:schemeClr val="bg1"/>
+          </a:solidFill>
+          <a:ln>
+            <a:solidFill>
+              <a:schemeClr val="accent1">
+                <a:lumMod val="50000"/>
+              </a:schemeClr>
+            </a:solidFill>
+          </a:ln>
+        </p:spPr>
+        <p:style>
+          <a:lnRef idx="2">
+            <a:schemeClr val="accent1">
+              <a:shade val="50000"/>
+            </a:schemeClr>
+          </a:lnRef>
+          <a:fillRef idx="1">
+            <a:schemeClr val="accent1"/>
+          </a:fillRef>
+          <a:effectRef idx="0">
+            <a:schemeClr val="accent1"/>
+          </a:effectRef>
+          <a:fontRef idx="minor">
+            <a:schemeClr val="lt1"/>
+          </a:fontRef>
+        </p:style>
+        <p:txBody>
+          <a:bodyPr rtlCol="0" anchor="ctr"/>
+          <a:lstStyle/>
+          <a:p>
+            <a:pPr algn="ctr"/>
+            <a:r>
+              <a:rPr lang="ko-KR" altLang="en-US" sz="1200" b="1" dirty="0">
+                <a:solidFill>
+                  <a:schemeClr val="accent1">
+                    <a:lumMod val="50000"/>
+                  </a:schemeClr>
+                </a:solidFill>
+              </a:rPr>
+              <a:t>파일선택</a:t>
+            </a:r>
+            <a:endParaRPr lang="ko-KR" altLang="en-US" sz="1200" dirty="0">
+              <a:solidFill>
+                <a:schemeClr val="tx1"/>
+              </a:solidFill>
+            </a:endParaRPr>
+          </a:p>
+        </p:txBody>
+      </p:sp>
+    </p:spTree>
+    <p:extLst>
+      <p:ext uri="{BB962C8B-B14F-4D97-AF65-F5344CB8AC3E}">
+        <p14:creationId xmlns:p14="http://schemas.microsoft.com/office/powerpoint/2010/main" val="1728069468"/>
       </p:ext>
     </p:extLst>
   </p:cSld>
@@ -21020,417 +22515,6 @@
           </a:graphicData>
         </a:graphic>
       </p:graphicFrame>
-      <p:graphicFrame>
-        <p:nvGraphicFramePr>
-          <p:cNvPr id="21" name="표 20">
-            <a:extLst>
-              <a:ext uri="{FF2B5EF4-FFF2-40B4-BE49-F238E27FC236}">
-                <a16:creationId xmlns:a16="http://schemas.microsoft.com/office/drawing/2014/main" id="{49E70350-1427-49B8-913F-6158834A821F}"/>
-              </a:ext>
-            </a:extLst>
-          </p:cNvPr>
-          <p:cNvGraphicFramePr>
-            <a:graphicFrameLocks noGrp="1"/>
-          </p:cNvGraphicFramePr>
-          <p:nvPr>
-            <p:extLst>
-              <p:ext uri="{D42A27DB-BD31-4B8C-83A1-F6EECF244321}">
-                <p14:modId xmlns:p14="http://schemas.microsoft.com/office/powerpoint/2010/main" val="1705741928"/>
-              </p:ext>
-            </p:extLst>
-          </p:nvPr>
-        </p:nvGraphicFramePr>
-        <p:xfrm>
-          <a:off x="1535421" y="6931317"/>
-          <a:ext cx="10092267" cy="667332"/>
-        </p:xfrm>
-        <a:graphic>
-          <a:graphicData uri="http://schemas.openxmlformats.org/drawingml/2006/table">
-            <a:tbl>
-              <a:tblPr firstRow="1" bandRow="1">
-                <a:tableStyleId>{073A0DAA-6AF3-43AB-8588-CEC1D06C72B9}</a:tableStyleId>
-              </a:tblPr>
-              <a:tblGrid>
-                <a:gridCol w="900944">
-                  <a:extLst>
-                    <a:ext uri="{9D8B030D-6E8A-4147-A177-3AD203B41FA5}">
-                      <a16:colId xmlns:a16="http://schemas.microsoft.com/office/drawing/2014/main" val="3867018743"/>
-                    </a:ext>
-                  </a:extLst>
-                </a:gridCol>
-                <a:gridCol w="1036298">
-                  <a:extLst>
-                    <a:ext uri="{9D8B030D-6E8A-4147-A177-3AD203B41FA5}">
-                      <a16:colId xmlns:a16="http://schemas.microsoft.com/office/drawing/2014/main" val="3828108685"/>
-                    </a:ext>
-                  </a:extLst>
-                </a:gridCol>
-                <a:gridCol w="1133582">
-                  <a:extLst>
-                    <a:ext uri="{9D8B030D-6E8A-4147-A177-3AD203B41FA5}">
-                      <a16:colId xmlns:a16="http://schemas.microsoft.com/office/drawing/2014/main" val="2296169585"/>
-                    </a:ext>
-                  </a:extLst>
-                </a:gridCol>
-                <a:gridCol w="934783">
-                  <a:extLst>
-                    <a:ext uri="{9D8B030D-6E8A-4147-A177-3AD203B41FA5}">
-                      <a16:colId xmlns:a16="http://schemas.microsoft.com/office/drawing/2014/main" val="1809523460"/>
-                    </a:ext>
-                  </a:extLst>
-                </a:gridCol>
-                <a:gridCol w="1171650">
-                  <a:extLst>
-                    <a:ext uri="{9D8B030D-6E8A-4147-A177-3AD203B41FA5}">
-                      <a16:colId xmlns:a16="http://schemas.microsoft.com/office/drawing/2014/main" val="4008097216"/>
-                    </a:ext>
-                  </a:extLst>
-                </a:gridCol>
-                <a:gridCol w="1023608">
-                  <a:extLst>
-                    <a:ext uri="{9D8B030D-6E8A-4147-A177-3AD203B41FA5}">
-                      <a16:colId xmlns:a16="http://schemas.microsoft.com/office/drawing/2014/main" val="3909308407"/>
-                    </a:ext>
-                  </a:extLst>
-                </a:gridCol>
-                <a:gridCol w="1167421">
-                  <a:extLst>
-                    <a:ext uri="{9D8B030D-6E8A-4147-A177-3AD203B41FA5}">
-                      <a16:colId xmlns:a16="http://schemas.microsoft.com/office/drawing/2014/main" val="2193855531"/>
-                    </a:ext>
-                  </a:extLst>
-                </a:gridCol>
-                <a:gridCol w="824808">
-                  <a:extLst>
-                    <a:ext uri="{9D8B030D-6E8A-4147-A177-3AD203B41FA5}">
-                      <a16:colId xmlns:a16="http://schemas.microsoft.com/office/drawing/2014/main" val="4000028575"/>
-                    </a:ext>
-                  </a:extLst>
-                </a:gridCol>
-                <a:gridCol w="867105">
-                  <a:extLst>
-                    <a:ext uri="{9D8B030D-6E8A-4147-A177-3AD203B41FA5}">
-                      <a16:colId xmlns:a16="http://schemas.microsoft.com/office/drawing/2014/main" val="2524738988"/>
-                    </a:ext>
-                  </a:extLst>
-                </a:gridCol>
-                <a:gridCol w="1032068">
-                  <a:extLst>
-                    <a:ext uri="{9D8B030D-6E8A-4147-A177-3AD203B41FA5}">
-                      <a16:colId xmlns:a16="http://schemas.microsoft.com/office/drawing/2014/main" val="1894433180"/>
-                    </a:ext>
-                  </a:extLst>
-                </a:gridCol>
-              </a:tblGrid>
-              <a:tr h="362532">
-                <a:tc>
-                  <a:txBody>
-                    <a:bodyPr/>
-                    <a:lstStyle/>
-                    <a:p>
-                      <a:pPr algn="ctr" latinLnBrk="1"/>
-                      <a:r>
-                        <a:rPr lang="ko-KR" altLang="en-US" sz="1400" dirty="0">
-                          <a:latin typeface="+mn-lt"/>
-                        </a:rPr>
-                        <a:t>거래처명</a:t>
-                      </a:r>
-                    </a:p>
-                  </a:txBody>
-                  <a:tcPr anchor="ctr"/>
-                </a:tc>
-                <a:tc>
-                  <a:txBody>
-                    <a:bodyPr/>
-                    <a:lstStyle/>
-                    <a:p>
-                      <a:pPr algn="ctr" latinLnBrk="1"/>
-                      <a:r>
-                        <a:rPr lang="ko-KR" altLang="en-US" sz="1400" dirty="0">
-                          <a:latin typeface="+mn-lt"/>
-                        </a:rPr>
-                        <a:t>품목명</a:t>
-                      </a:r>
-                    </a:p>
-                  </a:txBody>
-                  <a:tcPr anchor="ctr"/>
-                </a:tc>
-                <a:tc>
-                  <a:txBody>
-                    <a:bodyPr/>
-                    <a:lstStyle/>
-                    <a:p>
-                      <a:pPr algn="ctr" latinLnBrk="1"/>
-                      <a:r>
-                        <a:rPr lang="ko-KR" altLang="en-US" sz="1400" dirty="0">
-                          <a:latin typeface="+mn-lt"/>
-                        </a:rPr>
-                        <a:t>품목번호</a:t>
-                      </a:r>
-                    </a:p>
-                  </a:txBody>
-                  <a:tcPr anchor="ctr"/>
-                </a:tc>
-                <a:tc>
-                  <a:txBody>
-                    <a:bodyPr/>
-                    <a:lstStyle/>
-                    <a:p>
-                      <a:pPr algn="ctr" latinLnBrk="1"/>
-                      <a:r>
-                        <a:rPr lang="ko-KR" altLang="en-US" sz="1400" dirty="0">
-                          <a:latin typeface="+mn-lt"/>
-                        </a:rPr>
-                        <a:t>분류</a:t>
-                      </a:r>
-                    </a:p>
-                  </a:txBody>
-                  <a:tcPr anchor="ctr"/>
-                </a:tc>
-                <a:tc>
-                  <a:txBody>
-                    <a:bodyPr/>
-                    <a:lstStyle/>
-                    <a:p>
-                      <a:pPr algn="ctr" latinLnBrk="1"/>
-                      <a:r>
-                        <a:rPr lang="ko-KR" altLang="en-US" sz="1400" dirty="0">
-                          <a:latin typeface="+mn-lt"/>
-                        </a:rPr>
-                        <a:t>단가</a:t>
-                      </a:r>
-                    </a:p>
-                  </a:txBody>
-                  <a:tcPr anchor="ctr"/>
-                </a:tc>
-                <a:tc>
-                  <a:txBody>
-                    <a:bodyPr/>
-                    <a:lstStyle/>
-                    <a:p>
-                      <a:pPr algn="ctr" latinLnBrk="1"/>
-                      <a:r>
-                        <a:rPr lang="ko-KR" altLang="en-US" sz="1400" dirty="0"/>
-                        <a:t>색상</a:t>
-                      </a:r>
-                      <a:endParaRPr lang="ko-KR" altLang="en-US" sz="1400" dirty="0">
-                        <a:latin typeface="+mn-lt"/>
-                      </a:endParaRPr>
-                    </a:p>
-                  </a:txBody>
-                  <a:tcPr anchor="ctr"/>
-                </a:tc>
-                <a:tc>
-                  <a:txBody>
-                    <a:bodyPr/>
-                    <a:lstStyle/>
-                    <a:p>
-                      <a:pPr algn="ctr" latinLnBrk="1"/>
-                      <a:r>
-                        <a:rPr lang="ko-KR" altLang="en-US" sz="1400" dirty="0">
-                          <a:latin typeface="+mn-lt"/>
-                        </a:rPr>
-                        <a:t>도장방식</a:t>
-                      </a:r>
-                    </a:p>
-                  </a:txBody>
-                  <a:tcPr anchor="ctr"/>
-                </a:tc>
-                <a:tc>
-                  <a:txBody>
-                    <a:bodyPr/>
-                    <a:lstStyle/>
-                    <a:p>
-                      <a:pPr algn="ctr" latinLnBrk="1"/>
-                      <a:r>
-                        <a:rPr lang="ko-KR" altLang="en-US" sz="1400" dirty="0">
-                          <a:latin typeface="+mn-lt"/>
-                        </a:rPr>
-                        <a:t>비고</a:t>
-                      </a:r>
-                    </a:p>
-                  </a:txBody>
-                  <a:tcPr anchor="ctr"/>
-                </a:tc>
-                <a:tc>
-                  <a:txBody>
-                    <a:bodyPr/>
-                    <a:lstStyle/>
-                    <a:p>
-                      <a:pPr algn="ctr" latinLnBrk="1"/>
-                      <a:r>
-                        <a:rPr lang="ko-KR" altLang="en-US" sz="1400" dirty="0">
-                          <a:latin typeface="+mn-lt"/>
-                        </a:rPr>
-                        <a:t>이미지</a:t>
-                      </a:r>
-                    </a:p>
-                  </a:txBody>
-                  <a:tcPr anchor="ctr"/>
-                </a:tc>
-                <a:tc>
-                  <a:txBody>
-                    <a:bodyPr/>
-                    <a:lstStyle/>
-                    <a:p>
-                      <a:pPr algn="ctr" latinLnBrk="1"/>
-                      <a:r>
-                        <a:rPr lang="ko-KR" altLang="en-US" sz="1400" dirty="0">
-                          <a:latin typeface="+mn-lt"/>
-                        </a:rPr>
-                        <a:t>라우팅</a:t>
-                      </a:r>
-                    </a:p>
-                  </a:txBody>
-                  <a:tcPr anchor="ctr"/>
-                </a:tc>
-                <a:extLst>
-                  <a:ext uri="{0D108BD9-81ED-4DB2-BD59-A6C34878D82A}">
-                    <a16:rowId xmlns:a16="http://schemas.microsoft.com/office/drawing/2014/main" val="224696225"/>
-                  </a:ext>
-                </a:extLst>
-              </a:tr>
-              <a:tr h="207161">
-                <a:tc>
-                  <a:txBody>
-                    <a:bodyPr/>
-                    <a:lstStyle/>
-                    <a:p>
-                      <a:pPr algn="ctr" latinLnBrk="1"/>
-                      <a:endParaRPr lang="ko-KR" altLang="en-US" sz="1400" dirty="0">
-                        <a:latin typeface="+mn-lt"/>
-                      </a:endParaRPr>
-                    </a:p>
-                  </a:txBody>
-                  <a:tcPr anchor="ctr"/>
-                </a:tc>
-                <a:tc>
-                  <a:txBody>
-                    <a:bodyPr/>
-                    <a:lstStyle/>
-                    <a:p>
-                      <a:pPr algn="ctr" latinLnBrk="1"/>
-                      <a:endParaRPr lang="ko-KR" altLang="en-US" sz="1400" dirty="0">
-                        <a:latin typeface="+mn-lt"/>
-                      </a:endParaRPr>
-                    </a:p>
-                  </a:txBody>
-                  <a:tcPr anchor="ctr"/>
-                </a:tc>
-                <a:tc>
-                  <a:txBody>
-                    <a:bodyPr/>
-                    <a:lstStyle/>
-                    <a:p>
-                      <a:pPr algn="ctr" latinLnBrk="1"/>
-                      <a:endParaRPr lang="ko-KR" altLang="en-US" sz="1400" dirty="0">
-                        <a:latin typeface="+mn-lt"/>
-                      </a:endParaRPr>
-                    </a:p>
-                  </a:txBody>
-                  <a:tcPr anchor="ctr"/>
-                </a:tc>
-                <a:tc>
-                  <a:txBody>
-                    <a:bodyPr/>
-                    <a:lstStyle/>
-                    <a:p>
-                      <a:pPr algn="ctr" latinLnBrk="1"/>
-                      <a:endParaRPr lang="ko-KR" altLang="en-US" sz="1400" dirty="0">
-                        <a:latin typeface="+mn-lt"/>
-                      </a:endParaRPr>
-                    </a:p>
-                  </a:txBody>
-                  <a:tcPr anchor="ctr"/>
-                </a:tc>
-                <a:tc>
-                  <a:txBody>
-                    <a:bodyPr/>
-                    <a:lstStyle/>
-                    <a:p>
-                      <a:pPr algn="ctr" latinLnBrk="1"/>
-                      <a:endParaRPr lang="ko-KR" altLang="en-US" sz="1400" dirty="0">
-                        <a:latin typeface="+mn-lt"/>
-                      </a:endParaRPr>
-                    </a:p>
-                  </a:txBody>
-                  <a:tcPr anchor="ctr"/>
-                </a:tc>
-                <a:tc>
-                  <a:txBody>
-                    <a:bodyPr/>
-                    <a:lstStyle/>
-                    <a:p>
-                      <a:pPr algn="ctr" latinLnBrk="1"/>
-                      <a:endParaRPr lang="ko-KR" altLang="en-US" sz="1400" dirty="0">
-                        <a:latin typeface="+mn-lt"/>
-                      </a:endParaRPr>
-                    </a:p>
-                  </a:txBody>
-                  <a:tcPr anchor="ctr"/>
-                </a:tc>
-                <a:tc>
-                  <a:txBody>
-                    <a:bodyPr/>
-                    <a:lstStyle/>
-                    <a:p>
-                      <a:pPr algn="ctr" latinLnBrk="1"/>
-                      <a:endParaRPr lang="ko-KR" altLang="en-US" sz="1400" dirty="0">
-                        <a:latin typeface="+mn-lt"/>
-                      </a:endParaRPr>
-                    </a:p>
-                  </a:txBody>
-                  <a:tcPr anchor="ctr"/>
-                </a:tc>
-                <a:tc>
-                  <a:txBody>
-                    <a:bodyPr/>
-                    <a:lstStyle/>
-                    <a:p>
-                      <a:pPr algn="ctr" latinLnBrk="1"/>
-                      <a:endParaRPr lang="ko-KR" altLang="en-US" sz="1400" dirty="0">
-                        <a:latin typeface="+mn-lt"/>
-                      </a:endParaRPr>
-                    </a:p>
-                  </a:txBody>
-                  <a:tcPr anchor="ctr"/>
-                </a:tc>
-                <a:tc>
-                  <a:txBody>
-                    <a:bodyPr/>
-                    <a:lstStyle/>
-                    <a:p>
-                      <a:pPr algn="ctr" latinLnBrk="1"/>
-                      <a:endParaRPr lang="ko-KR" altLang="en-US" sz="1400" dirty="0">
-                        <a:latin typeface="+mn-lt"/>
-                      </a:endParaRPr>
-                    </a:p>
-                  </a:txBody>
-                  <a:tcPr anchor="ctr"/>
-                </a:tc>
-                <a:tc>
-                  <a:txBody>
-                    <a:bodyPr/>
-                    <a:lstStyle/>
-                    <a:p>
-                      <a:pPr algn="ctr" latinLnBrk="1"/>
-                      <a:endParaRPr lang="ko-KR" altLang="en-US" sz="1400" dirty="0">
-                        <a:latin typeface="+mn-lt"/>
-                      </a:endParaRPr>
-                    </a:p>
-                  </a:txBody>
-                  <a:tcPr anchor="ctr"/>
-                </a:tc>
-                <a:extLst>
-                  <a:ext uri="{0D108BD9-81ED-4DB2-BD59-A6C34878D82A}">
-                    <a16:rowId xmlns:a16="http://schemas.microsoft.com/office/drawing/2014/main" val="1155186000"/>
-                  </a:ext>
-                </a:extLst>
-              </a:tr>
-            </a:tbl>
-          </a:graphicData>
-        </a:graphic>
-      </p:graphicFrame>
       <p:pic>
         <p:nvPicPr>
           <p:cNvPr id="24" name="그림 23">
@@ -30541,9 +31625,7 @@
           <p:cNvGraphicFramePr>
             <a:graphicFrameLocks noGrp="1"/>
           </p:cNvGraphicFramePr>
-          <p:nvPr>
-            <p:extLst/>
-          </p:nvPr>
+          <p:nvPr/>
         </p:nvGraphicFramePr>
         <p:xfrm>
           <a:off x="1817606" y="1758151"/>
@@ -31869,9 +32951,7 @@
           <p:cNvGraphicFramePr>
             <a:graphicFrameLocks noGrp="1"/>
           </p:cNvGraphicFramePr>
-          <p:nvPr>
-            <p:extLst/>
-          </p:nvPr>
+          <p:nvPr/>
         </p:nvGraphicFramePr>
         <p:xfrm>
           <a:off x="1535421" y="6931317"/>
